--- a/docs/画面デザイン.pptx
+++ b/docs/画面デザイン.pptx
@@ -8,10 +8,11 @@
     <p:notesMasterId r:id="rId4"/>
   </p:notesMasterIdLst>
   <p:handoutMasterIdLst>
-    <p:handoutMasterId r:id="rId5"/>
+    <p:handoutMasterId r:id="rId6"/>
   </p:handoutMasterIdLst>
   <p:sldIdLst>
     <p:sldId id="256" r:id="rId3"/>
+    <p:sldId id="257" r:id="rId5"/>
   </p:sldIdLst>
   <p:sldSz cx="12192000" cy="6858000"/>
   <p:notesSz cx="6858000" cy="9144000"/>
@@ -110,6 +111,22 @@
       </a:defRPr>
     </a:lvl9pPr>
   </p:defaultTextStyle>
+  <p:extLst>
+    <p:ext uri="{EFAFB233-063F-42B5-8137-9DF3F51BA10A}">
+      <p15:sldGuideLst xmlns:p15="http://schemas.microsoft.com/office/powerpoint/2012/main">
+        <p15:guide id="1" orient="horz" pos="2160" userDrawn="1">
+          <p15:clr>
+            <a:srgbClr val="A4A3A4"/>
+          </p15:clr>
+        </p15:guide>
+        <p15:guide id="2" pos="3840" userDrawn="1">
+          <p15:clr>
+            <a:srgbClr val="A4A3A4"/>
+          </p15:clr>
+        </p15:guide>
+      </p15:sldGuideLst>
+    </p:ext>
+  </p:extLst>
 </p:presentation>
 </file>
 
@@ -4980,6 +4997,235 @@
       </p:par>
     </p:tnLst>
   </p:timing>
+</p:sld>
+</file>
+
+<file path=ppt/slides/slide2.xml><?xml version="1.0" encoding="utf-8"?>
+<p:sld xmlns:a="http://schemas.openxmlformats.org/drawingml/2006/main" xmlns:r="http://schemas.openxmlformats.org/officeDocument/2006/relationships" xmlns:p="http://schemas.openxmlformats.org/presentationml/2006/main">
+  <p:cSld>
+    <p:spTree>
+      <p:nvGrpSpPr>
+        <p:cNvPr id="1" name=""/>
+        <p:cNvGrpSpPr/>
+        <p:nvPr/>
+      </p:nvGrpSpPr>
+      <p:grpSpPr/>
+      <p:pic>
+        <p:nvPicPr>
+          <p:cNvPr id="4" name="図形 3"/>
+          <p:cNvPicPr>
+            <a:picLocks noChangeAspect="1"/>
+          </p:cNvPicPr>
+          <p:nvPr/>
+        </p:nvPicPr>
+        <p:blipFill>
+          <a:blip r:embed="rId1"/>
+          <a:srcRect l="13786" t="133" r="16199" b="193"/>
+          <a:stretch>
+            <a:fillRect/>
+          </a:stretch>
+        </p:blipFill>
+        <p:spPr>
+          <a:xfrm>
+            <a:off x="337185" y="551815"/>
+            <a:ext cx="5758815" cy="5754370"/>
+          </a:xfrm>
+          <a:prstGeom prst="rect">
+            <a:avLst/>
+          </a:prstGeom>
+        </p:spPr>
+      </p:pic>
+      <p:cxnSp>
+        <p:nvCxnSpPr>
+          <p:cNvPr id="6" name="直線コネクタ 5"/>
+          <p:cNvCxnSpPr/>
+          <p:nvPr/>
+        </p:nvCxnSpPr>
+        <p:spPr>
+          <a:xfrm flipH="1">
+            <a:off x="1760220" y="396875"/>
+            <a:ext cx="18415" cy="6136640"/>
+          </a:xfrm>
+          <a:prstGeom prst="line">
+            <a:avLst/>
+          </a:prstGeom>
+          <a:ln w="28575"/>
+        </p:spPr>
+        <p:style>
+          <a:lnRef idx="2">
+            <a:schemeClr val="accent1"/>
+          </a:lnRef>
+          <a:fillRef idx="0">
+            <a:srgbClr val="FFFFFF"/>
+          </a:fillRef>
+          <a:effectRef idx="0">
+            <a:srgbClr val="FFFFFF"/>
+          </a:effectRef>
+          <a:fontRef idx="minor">
+            <a:schemeClr val="tx1"/>
+          </a:fontRef>
+        </p:style>
+      </p:cxnSp>
+      <p:cxnSp>
+        <p:nvCxnSpPr>
+          <p:cNvPr id="7" name="直線コネクタ 6"/>
+          <p:cNvCxnSpPr/>
+          <p:nvPr/>
+        </p:nvCxnSpPr>
+        <p:spPr>
+          <a:xfrm flipH="1">
+            <a:off x="3207385" y="396875"/>
+            <a:ext cx="18415" cy="6136640"/>
+          </a:xfrm>
+          <a:prstGeom prst="line">
+            <a:avLst/>
+          </a:prstGeom>
+          <a:ln w="28575"/>
+        </p:spPr>
+        <p:style>
+          <a:lnRef idx="2">
+            <a:schemeClr val="accent1"/>
+          </a:lnRef>
+          <a:fillRef idx="0">
+            <a:srgbClr val="FFFFFF"/>
+          </a:fillRef>
+          <a:effectRef idx="0">
+            <a:srgbClr val="FFFFFF"/>
+          </a:effectRef>
+          <a:fontRef idx="minor">
+            <a:schemeClr val="tx1"/>
+          </a:fontRef>
+        </p:style>
+      </p:cxnSp>
+      <p:cxnSp>
+        <p:nvCxnSpPr>
+          <p:cNvPr id="8" name="直線コネクタ 7"/>
+          <p:cNvCxnSpPr/>
+          <p:nvPr/>
+        </p:nvCxnSpPr>
+        <p:spPr>
+          <a:xfrm flipH="1">
+            <a:off x="4654550" y="396875"/>
+            <a:ext cx="18415" cy="6136640"/>
+          </a:xfrm>
+          <a:prstGeom prst="line">
+            <a:avLst/>
+          </a:prstGeom>
+          <a:ln w="28575"/>
+        </p:spPr>
+        <p:style>
+          <a:lnRef idx="2">
+            <a:schemeClr val="accent1"/>
+          </a:lnRef>
+          <a:fillRef idx="0">
+            <a:srgbClr val="FFFFFF"/>
+          </a:fillRef>
+          <a:effectRef idx="0">
+            <a:srgbClr val="FFFFFF"/>
+          </a:effectRef>
+          <a:fontRef idx="minor">
+            <a:schemeClr val="tx1"/>
+          </a:fontRef>
+        </p:style>
+      </p:cxnSp>
+      <p:cxnSp>
+        <p:nvCxnSpPr>
+          <p:cNvPr id="9" name="直線コネクタ 8"/>
+          <p:cNvCxnSpPr/>
+          <p:nvPr/>
+        </p:nvCxnSpPr>
+        <p:spPr>
+          <a:xfrm>
+            <a:off x="170815" y="2004695"/>
+            <a:ext cx="6081395" cy="0"/>
+          </a:xfrm>
+          <a:prstGeom prst="line">
+            <a:avLst/>
+          </a:prstGeom>
+          <a:ln w="28575"/>
+        </p:spPr>
+        <p:style>
+          <a:lnRef idx="2">
+            <a:schemeClr val="accent1"/>
+          </a:lnRef>
+          <a:fillRef idx="0">
+            <a:srgbClr val="FFFFFF"/>
+          </a:fillRef>
+          <a:effectRef idx="0">
+            <a:srgbClr val="FFFFFF"/>
+          </a:effectRef>
+          <a:fontRef idx="minor">
+            <a:schemeClr val="tx1"/>
+          </a:fontRef>
+        </p:style>
+      </p:cxnSp>
+      <p:cxnSp>
+        <p:nvCxnSpPr>
+          <p:cNvPr id="10" name="直線コネクタ 9"/>
+          <p:cNvCxnSpPr/>
+          <p:nvPr/>
+        </p:nvCxnSpPr>
+        <p:spPr>
+          <a:xfrm>
+            <a:off x="170815" y="3429000"/>
+            <a:ext cx="6081395" cy="0"/>
+          </a:xfrm>
+          <a:prstGeom prst="line">
+            <a:avLst/>
+          </a:prstGeom>
+          <a:ln w="28575"/>
+        </p:spPr>
+        <p:style>
+          <a:lnRef idx="2">
+            <a:schemeClr val="accent1"/>
+          </a:lnRef>
+          <a:fillRef idx="0">
+            <a:srgbClr val="FFFFFF"/>
+          </a:fillRef>
+          <a:effectRef idx="0">
+            <a:srgbClr val="FFFFFF"/>
+          </a:effectRef>
+          <a:fontRef idx="minor">
+            <a:schemeClr val="tx1"/>
+          </a:fontRef>
+        </p:style>
+      </p:cxnSp>
+      <p:cxnSp>
+        <p:nvCxnSpPr>
+          <p:cNvPr id="11" name="直線コネクタ 10"/>
+          <p:cNvCxnSpPr/>
+          <p:nvPr/>
+        </p:nvCxnSpPr>
+        <p:spPr>
+          <a:xfrm>
+            <a:off x="170815" y="4853305"/>
+            <a:ext cx="6081395" cy="0"/>
+          </a:xfrm>
+          <a:prstGeom prst="line">
+            <a:avLst/>
+          </a:prstGeom>
+          <a:ln w="28575"/>
+        </p:spPr>
+        <p:style>
+          <a:lnRef idx="2">
+            <a:schemeClr val="accent1"/>
+          </a:lnRef>
+          <a:fillRef idx="0">
+            <a:srgbClr val="FFFFFF"/>
+          </a:fillRef>
+          <a:effectRef idx="0">
+            <a:srgbClr val="FFFFFF"/>
+          </a:effectRef>
+          <a:fontRef idx="minor">
+            <a:schemeClr val="tx1"/>
+          </a:fontRef>
+        </p:style>
+      </p:cxnSp>
+    </p:spTree>
+  </p:cSld>
+  <p:clrMapOvr>
+    <a:masterClrMapping/>
+  </p:clrMapOvr>
 </p:sld>
 </file>
 
